--- a/lecture/f06-sakerhet.pptx
+++ b/lecture/f06-sakerhet.pptx
@@ -13,11 +13,11 @@
     <p:sldId id="328" r:id="rId4"/>
     <p:sldId id="320" r:id="rId5"/>
     <p:sldId id="282" r:id="rId6"/>
-    <p:sldId id="288" r:id="rId7"/>
-    <p:sldId id="287" r:id="rId8"/>
-    <p:sldId id="289" r:id="rId9"/>
-    <p:sldId id="286" r:id="rId10"/>
-    <p:sldId id="319" r:id="rId11"/>
+    <p:sldId id="329" r:id="rId7"/>
+    <p:sldId id="288" r:id="rId8"/>
+    <p:sldId id="287" r:id="rId9"/>
+    <p:sldId id="289" r:id="rId10"/>
+    <p:sldId id="286" r:id="rId11"/>
     <p:sldId id="275" r:id="rId12"/>
     <p:sldId id="283" r:id="rId13"/>
     <p:sldId id="292" r:id="rId14"/>
@@ -656,7 +656,7 @@
           <a:p>
             <a:fld id="{40C6EFDA-C253-4FC6-9E42-594E6ABB7ECA}" type="slidenum">
               <a:rPr lang="sv-SE" smtClean="0"/>
-              <a:t>8</a:t>
+              <a:t>9</a:t>
             </a:fld>
             <a:endParaRPr lang="sv-SE"/>
           </a:p>
@@ -8121,90 +8121,22 @@
           <a:p>
             <a:r>
               <a:rPr lang="sv-SE" dirty="0" smtClean="0"/>
-              <a:t>Installation</a:t>
+              <a:t>HTTPS</a:t>
             </a:r>
             <a:endParaRPr lang="sv-SE" dirty="0"/>
-          </a:p>
-        </p:txBody>
-      </p:sp>
-      <p:sp>
-        <p:nvSpPr>
-          <p:cNvPr id="3" name="TextBox 2"/>
-          <p:cNvSpPr txBox="1"/>
-          <p:nvPr/>
-        </p:nvSpPr>
-        <p:spPr>
-          <a:xfrm>
-            <a:off x="467544" y="4432384"/>
-            <a:ext cx="4869923" cy="369332"/>
-          </a:xfrm>
-          <a:prstGeom prst="rect">
-            <a:avLst/>
-          </a:prstGeom>
-          <a:noFill/>
-        </p:spPr>
-        <p:txBody>
-          <a:bodyPr wrap="none" rtlCol="0">
-            <a:spAutoFit/>
-          </a:bodyPr>
-          <a:lstStyle/>
-          <a:p>
-            <a:r>
-              <a:rPr lang="sv-SE" b="1" dirty="0">
-                <a:latin typeface="Times New Roman" pitchFamily="18" charset="0"/>
-                <a:cs typeface="Times New Roman" pitchFamily="18" charset="0"/>
-              </a:rPr>
-              <a:t>http://voyager.lnu.se/tekinet/kurser/Dtt/1dv444/</a:t>
-            </a:r>
-            <a:endParaRPr lang="sv-SE" b="1" dirty="0" smtClean="0">
-              <a:latin typeface="Times New Roman" pitchFamily="18" charset="0"/>
-              <a:cs typeface="Times New Roman" pitchFamily="18" charset="0"/>
-            </a:endParaRPr>
-          </a:p>
-        </p:txBody>
-      </p:sp>
-      <p:sp>
-        <p:nvSpPr>
-          <p:cNvPr id="4" name="TextBox 3"/>
-          <p:cNvSpPr txBox="1"/>
-          <p:nvPr/>
-        </p:nvSpPr>
-        <p:spPr>
-          <a:xfrm>
-            <a:off x="467544" y="4144352"/>
-            <a:ext cx="4111062" cy="369332"/>
-          </a:xfrm>
-          <a:prstGeom prst="rect">
-            <a:avLst/>
-          </a:prstGeom>
-          <a:noFill/>
-        </p:spPr>
-        <p:txBody>
-          <a:bodyPr wrap="none" rtlCol="0">
-            <a:spAutoFit/>
-          </a:bodyPr>
-          <a:lstStyle/>
-          <a:p>
-            <a:r>
-              <a:rPr lang="sv-SE" b="1" dirty="0" smtClean="0">
-                <a:latin typeface="Times New Roman" pitchFamily="18" charset="0"/>
-                <a:cs typeface="Times New Roman" pitchFamily="18" charset="0"/>
-              </a:rPr>
-              <a:t>Driftsätta och administrera webbsajter:</a:t>
-            </a:r>
           </a:p>
         </p:txBody>
       </p:sp>
       <p:pic>
         <p:nvPicPr>
-          <p:cNvPr id="33794" name="Picture 2"/>
+          <p:cNvPr id="1026" name="Picture 2"/>
           <p:cNvPicPr>
             <a:picLocks noChangeAspect="1" noChangeArrowheads="1"/>
           </p:cNvPicPr>
           <p:nvPr/>
         </p:nvPicPr>
         <p:blipFill>
-          <a:blip r:embed="rId2" cstate="print">
+          <a:blip r:embed="rId2">
             <a:extLst>
               <a:ext uri="{28A0092B-C50C-407E-A947-70E740481C1C}">
                 <a14:useLocalDpi xmlns:a14="http://schemas.microsoft.com/office/drawing/2010/main" val="0"/>
@@ -8218,68 +8150,8 @@
         </p:blipFill>
         <p:spPr bwMode="auto">
           <a:xfrm>
-            <a:off x="605250" y="945791"/>
-            <a:ext cx="4182774" cy="3036745"/>
-          </a:xfrm>
-          <a:prstGeom prst="rect">
-            <a:avLst/>
-          </a:prstGeom>
-          <a:ln>
-            <a:noFill/>
-          </a:ln>
-          <a:effectLst>
-            <a:outerShdw blurRad="190500" algn="tl" rotWithShape="0">
-              <a:srgbClr val="000000">
-                <a:alpha val="70000"/>
-              </a:srgbClr>
-            </a:outerShdw>
-          </a:effectLst>
-          <a:extLst>
-            <a:ext uri="{909E8E84-426E-40dd-AFC4-6F175D3DCCD1}">
-              <a14:hiddenFill xmlns:a14="http://schemas.microsoft.com/office/drawing/2010/main">
-                <a:solidFill>
-                  <a:schemeClr val="accent1"/>
-                </a:solidFill>
-              </a14:hiddenFill>
-            </a:ext>
-            <a:ext uri="{91240B29-F687-4f45-9708-019B960494DF}">
-              <a14:hiddenLine xmlns:a14="http://schemas.microsoft.com/office/drawing/2010/main" w="9525">
-                <a:solidFill>
-                  <a:schemeClr val="tx1"/>
-                </a:solidFill>
-                <a:miter lim="800000"/>
-                <a:headEnd/>
-                <a:tailEnd/>
-              </a14:hiddenLine>
-            </a:ext>
-          </a:extLst>
-        </p:spPr>
-      </p:pic>
-      <p:pic>
-        <p:nvPicPr>
-          <p:cNvPr id="33795" name="Picture 3"/>
-          <p:cNvPicPr>
-            <a:picLocks noChangeAspect="1" noChangeArrowheads="1"/>
-          </p:cNvPicPr>
-          <p:nvPr/>
-        </p:nvPicPr>
-        <p:blipFill>
-          <a:blip r:embed="rId3" cstate="print">
-            <a:extLst>
-              <a:ext uri="{28A0092B-C50C-407E-A947-70E740481C1C}">
-                <a14:useLocalDpi xmlns:a14="http://schemas.microsoft.com/office/drawing/2010/main" val="0"/>
-              </a:ext>
-            </a:extLst>
-          </a:blip>
-          <a:srcRect/>
-          <a:stretch>
-            <a:fillRect/>
-          </a:stretch>
-        </p:blipFill>
-        <p:spPr bwMode="auto">
-          <a:xfrm>
-            <a:off x="5601178" y="2989857"/>
-            <a:ext cx="2499214" cy="1739851"/>
+            <a:off x="755576" y="634196"/>
+            <a:ext cx="2763019" cy="4446608"/>
           </a:xfrm>
           <a:prstGeom prst="rect">
             <a:avLst/>
@@ -8321,14 +8193,14 @@
       </p:pic>
       <p:pic>
         <p:nvPicPr>
-          <p:cNvPr id="33796" name="Picture 4"/>
+          <p:cNvPr id="1027" name="Picture 3"/>
           <p:cNvPicPr>
             <a:picLocks noChangeAspect="1" noChangeArrowheads="1"/>
           </p:cNvPicPr>
           <p:nvPr/>
         </p:nvPicPr>
         <p:blipFill>
-          <a:blip r:embed="rId4" cstate="print">
+          <a:blip r:embed="rId3">
             <a:extLst>
               <a:ext uri="{28A0092B-C50C-407E-A947-70E740481C1C}">
                 <a14:useLocalDpi xmlns:a14="http://schemas.microsoft.com/office/drawing/2010/main" val="0"/>
@@ -8342,8 +8214,8 @@
         </p:blipFill>
         <p:spPr bwMode="auto">
           <a:xfrm>
-            <a:off x="6186410" y="1273324"/>
-            <a:ext cx="2274022" cy="1423537"/>
+            <a:off x="4283968" y="1379253"/>
+            <a:ext cx="3888432" cy="2956494"/>
           </a:xfrm>
           <a:prstGeom prst="rect">
             <a:avLst/>
@@ -8386,7 +8258,7 @@
     </p:spTree>
     <p:extLst>
       <p:ext uri="{BB962C8B-B14F-4D97-AF65-F5344CB8AC3E}">
-        <p14:creationId xmlns:p14="http://schemas.microsoft.com/office/powerpoint/2010/main" val="2471081303"/>
+        <p14:creationId xmlns:p14="http://schemas.microsoft.com/office/powerpoint/2010/main" val="2694863038"/>
       </p:ext>
     </p:extLst>
   </p:cSld>
@@ -14310,6 +14182,13 @@
   <p:clrMapOvr>
     <a:masterClrMapping/>
   </p:clrMapOvr>
+  <p:timing>
+    <p:tnLst>
+      <p:par>
+        <p:cTn xmlns:p14="http://schemas.microsoft.com/office/powerpoint/2010/main" id="1" dur="indefinite" restart="never" nodeType="tmRoot"/>
+      </p:par>
+    </p:tnLst>
+  </p:timing>
 </p:sld>
 </file>
 
@@ -15596,6 +15475,13 @@
   <p:clrMapOvr>
     <a:masterClrMapping/>
   </p:clrMapOvr>
+  <p:timing>
+    <p:tnLst>
+      <p:par>
+        <p:cTn xmlns:p14="http://schemas.microsoft.com/office/powerpoint/2010/main" id="1" dur="indefinite" restart="never" nodeType="tmRoot"/>
+      </p:par>
+    </p:tnLst>
+  </p:timing>
 </p:sld>
 </file>
 
@@ -22088,6 +21974,669 @@
           <a:lstStyle/>
           <a:p>
             <a:r>
+              <a:rPr lang="en-US" dirty="0" err="1" smtClean="0"/>
+              <a:t>Länka</a:t>
+            </a:r>
+            <a:r>
+              <a:rPr lang="en-US" dirty="0" smtClean="0"/>
+              <a:t> in </a:t>
+            </a:r>
+            <a:r>
+              <a:rPr lang="en-US" dirty="0" err="1" smtClean="0"/>
+              <a:t>resurser</a:t>
+            </a:r>
+            <a:endParaRPr lang="en-US" dirty="0"/>
+          </a:p>
+        </p:txBody>
+      </p:sp>
+      <p:sp>
+        <p:nvSpPr>
+          <p:cNvPr id="4" name="Rectangle 3"/>
+          <p:cNvSpPr/>
+          <p:nvPr/>
+        </p:nvSpPr>
+        <p:spPr>
+          <a:xfrm>
+            <a:off x="251520" y="1273324"/>
+            <a:ext cx="8640960" cy="523220"/>
+          </a:xfrm>
+          <a:prstGeom prst="rect">
+            <a:avLst/>
+          </a:prstGeom>
+        </p:spPr>
+        <p:style>
+          <a:lnRef idx="1">
+            <a:schemeClr val="accent4"/>
+          </a:lnRef>
+          <a:fillRef idx="2">
+            <a:schemeClr val="accent4"/>
+          </a:fillRef>
+          <a:effectRef idx="1">
+            <a:schemeClr val="accent4"/>
+          </a:effectRef>
+          <a:fontRef idx="minor">
+            <a:schemeClr val="dk1"/>
+          </a:fontRef>
+        </p:style>
+        <p:txBody>
+          <a:bodyPr wrap="square">
+            <a:spAutoFit/>
+          </a:bodyPr>
+          <a:lstStyle/>
+          <a:p>
+            <a:r>
+              <a:rPr lang="en-US" sz="1400" dirty="0">
+                <a:latin typeface="Courier New"/>
+                <a:cs typeface="Courier New"/>
+              </a:rPr>
+              <a:t>&lt;link </a:t>
+            </a:r>
+            <a:r>
+              <a:rPr lang="en-US" sz="1400" dirty="0" err="1">
+                <a:latin typeface="Courier New"/>
+                <a:cs typeface="Courier New"/>
+              </a:rPr>
+              <a:t>href</a:t>
+            </a:r>
+            <a:r>
+              <a:rPr lang="en-US" sz="1400" dirty="0">
+                <a:latin typeface="Courier New"/>
+                <a:cs typeface="Courier New"/>
+              </a:rPr>
+              <a:t>='</a:t>
+            </a:r>
+            <a:r>
+              <a:rPr lang="en-US" sz="1400" b="1" dirty="0">
+                <a:latin typeface="Courier New"/>
+                <a:cs typeface="Courier New"/>
+              </a:rPr>
+              <a:t>http:</a:t>
+            </a:r>
+            <a:r>
+              <a:rPr lang="en-US" sz="1400" dirty="0">
+                <a:latin typeface="Courier New"/>
+                <a:cs typeface="Courier New"/>
+              </a:rPr>
+              <a:t>//</a:t>
+            </a:r>
+            <a:r>
+              <a:rPr lang="en-US" sz="1400" dirty="0" err="1">
+                <a:latin typeface="Courier New"/>
+                <a:cs typeface="Courier New"/>
+              </a:rPr>
+              <a:t>fonts.googleapis.com</a:t>
+            </a:r>
+            <a:r>
+              <a:rPr lang="en-US" sz="1400" dirty="0">
+                <a:latin typeface="Courier New"/>
+                <a:cs typeface="Courier New"/>
+              </a:rPr>
+              <a:t>/</a:t>
+            </a:r>
+            <a:r>
+              <a:rPr lang="en-US" sz="1400" dirty="0" err="1">
+                <a:latin typeface="Courier New"/>
+                <a:cs typeface="Courier New"/>
+              </a:rPr>
+              <a:t>css?family</a:t>
+            </a:r>
+            <a:r>
+              <a:rPr lang="en-US" sz="1400" dirty="0">
+                <a:latin typeface="Courier New"/>
+                <a:cs typeface="Courier New"/>
+              </a:rPr>
+              <a:t>=</a:t>
+            </a:r>
+            <a:r>
+              <a:rPr lang="en-US" sz="1400" dirty="0" err="1">
+                <a:latin typeface="Courier New"/>
+                <a:cs typeface="Courier New"/>
+              </a:rPr>
+              <a:t>Roboto+Condensed</a:t>
+            </a:r>
+            <a:r>
+              <a:rPr lang="en-US" sz="1400" dirty="0">
+                <a:latin typeface="Courier New"/>
+                <a:cs typeface="Courier New"/>
+              </a:rPr>
+              <a:t>' </a:t>
+            </a:r>
+            <a:r>
+              <a:rPr lang="en-US" sz="1400" dirty="0" err="1">
+                <a:latin typeface="Courier New"/>
+                <a:cs typeface="Courier New"/>
+              </a:rPr>
+              <a:t>rel</a:t>
+            </a:r>
+            <a:r>
+              <a:rPr lang="en-US" sz="1400" dirty="0">
+                <a:latin typeface="Courier New"/>
+                <a:cs typeface="Courier New"/>
+              </a:rPr>
+              <a:t>='</a:t>
+            </a:r>
+            <a:r>
+              <a:rPr lang="en-US" sz="1400" dirty="0" err="1">
+                <a:latin typeface="Courier New"/>
+                <a:cs typeface="Courier New"/>
+              </a:rPr>
+              <a:t>stylesheet</a:t>
+            </a:r>
+            <a:r>
+              <a:rPr lang="en-US" sz="1400" dirty="0">
+                <a:latin typeface="Courier New"/>
+                <a:cs typeface="Courier New"/>
+              </a:rPr>
+              <a:t>' type='text/</a:t>
+            </a:r>
+            <a:r>
+              <a:rPr lang="en-US" sz="1400" dirty="0" err="1">
+                <a:latin typeface="Courier New"/>
+                <a:cs typeface="Courier New"/>
+              </a:rPr>
+              <a:t>css</a:t>
+            </a:r>
+            <a:r>
+              <a:rPr lang="en-US" sz="1400" dirty="0">
+                <a:latin typeface="Courier New"/>
+                <a:cs typeface="Courier New"/>
+              </a:rPr>
+              <a:t>'&gt;</a:t>
+            </a:r>
+          </a:p>
+        </p:txBody>
+      </p:sp>
+      <p:sp>
+        <p:nvSpPr>
+          <p:cNvPr id="5" name="Rectangle 4"/>
+          <p:cNvSpPr/>
+          <p:nvPr/>
+        </p:nvSpPr>
+        <p:spPr>
+          <a:xfrm>
+            <a:off x="251520" y="2334280"/>
+            <a:ext cx="8640960" cy="523220"/>
+          </a:xfrm>
+          <a:prstGeom prst="rect">
+            <a:avLst/>
+          </a:prstGeom>
+        </p:spPr>
+        <p:style>
+          <a:lnRef idx="1">
+            <a:schemeClr val="accent4"/>
+          </a:lnRef>
+          <a:fillRef idx="2">
+            <a:schemeClr val="accent4"/>
+          </a:fillRef>
+          <a:effectRef idx="1">
+            <a:schemeClr val="accent4"/>
+          </a:effectRef>
+          <a:fontRef idx="minor">
+            <a:schemeClr val="dk1"/>
+          </a:fontRef>
+        </p:style>
+        <p:txBody>
+          <a:bodyPr wrap="square">
+            <a:spAutoFit/>
+          </a:bodyPr>
+          <a:lstStyle/>
+          <a:p>
+            <a:r>
+              <a:rPr lang="en-US" sz="1400" dirty="0">
+                <a:latin typeface="Courier New"/>
+                <a:cs typeface="Courier New"/>
+              </a:rPr>
+              <a:t>&lt;link </a:t>
+            </a:r>
+            <a:r>
+              <a:rPr lang="en-US" sz="1400" dirty="0" err="1">
+                <a:latin typeface="Courier New"/>
+                <a:cs typeface="Courier New"/>
+              </a:rPr>
+              <a:t>href</a:t>
+            </a:r>
+            <a:r>
+              <a:rPr lang="en-US" sz="1400" dirty="0">
+                <a:latin typeface="Courier New"/>
+                <a:cs typeface="Courier New"/>
+              </a:rPr>
+              <a:t>='</a:t>
+            </a:r>
+            <a:r>
+              <a:rPr lang="en-US" sz="1400" b="1" dirty="0" smtClean="0">
+                <a:latin typeface="Courier New"/>
+                <a:cs typeface="Courier New"/>
+              </a:rPr>
+              <a:t>https:</a:t>
+            </a:r>
+            <a:r>
+              <a:rPr lang="en-US" sz="1400" dirty="0">
+                <a:latin typeface="Courier New"/>
+                <a:cs typeface="Courier New"/>
+              </a:rPr>
+              <a:t>//</a:t>
+            </a:r>
+            <a:r>
+              <a:rPr lang="en-US" sz="1400" dirty="0" err="1">
+                <a:latin typeface="Courier New"/>
+                <a:cs typeface="Courier New"/>
+              </a:rPr>
+              <a:t>fonts.googleapis.com</a:t>
+            </a:r>
+            <a:r>
+              <a:rPr lang="en-US" sz="1400" dirty="0">
+                <a:latin typeface="Courier New"/>
+                <a:cs typeface="Courier New"/>
+              </a:rPr>
+              <a:t>/</a:t>
+            </a:r>
+            <a:r>
+              <a:rPr lang="en-US" sz="1400" dirty="0" err="1">
+                <a:latin typeface="Courier New"/>
+                <a:cs typeface="Courier New"/>
+              </a:rPr>
+              <a:t>css?family</a:t>
+            </a:r>
+            <a:r>
+              <a:rPr lang="en-US" sz="1400" dirty="0">
+                <a:latin typeface="Courier New"/>
+                <a:cs typeface="Courier New"/>
+              </a:rPr>
+              <a:t>=</a:t>
+            </a:r>
+            <a:r>
+              <a:rPr lang="en-US" sz="1400" dirty="0" err="1">
+                <a:latin typeface="Courier New"/>
+                <a:cs typeface="Courier New"/>
+              </a:rPr>
+              <a:t>Roboto+Condensed</a:t>
+            </a:r>
+            <a:r>
+              <a:rPr lang="en-US" sz="1400" dirty="0">
+                <a:latin typeface="Courier New"/>
+                <a:cs typeface="Courier New"/>
+              </a:rPr>
+              <a:t>' </a:t>
+            </a:r>
+            <a:r>
+              <a:rPr lang="en-US" sz="1400" dirty="0" err="1">
+                <a:latin typeface="Courier New"/>
+                <a:cs typeface="Courier New"/>
+              </a:rPr>
+              <a:t>rel</a:t>
+            </a:r>
+            <a:r>
+              <a:rPr lang="en-US" sz="1400" dirty="0">
+                <a:latin typeface="Courier New"/>
+                <a:cs typeface="Courier New"/>
+              </a:rPr>
+              <a:t>='</a:t>
+            </a:r>
+            <a:r>
+              <a:rPr lang="en-US" sz="1400" dirty="0" err="1">
+                <a:latin typeface="Courier New"/>
+                <a:cs typeface="Courier New"/>
+              </a:rPr>
+              <a:t>stylesheet</a:t>
+            </a:r>
+            <a:r>
+              <a:rPr lang="en-US" sz="1400" dirty="0">
+                <a:latin typeface="Courier New"/>
+                <a:cs typeface="Courier New"/>
+              </a:rPr>
+              <a:t>' type='text/</a:t>
+            </a:r>
+            <a:r>
+              <a:rPr lang="en-US" sz="1400" dirty="0" err="1">
+                <a:latin typeface="Courier New"/>
+                <a:cs typeface="Courier New"/>
+              </a:rPr>
+              <a:t>css</a:t>
+            </a:r>
+            <a:r>
+              <a:rPr lang="en-US" sz="1400" dirty="0">
+                <a:latin typeface="Courier New"/>
+                <a:cs typeface="Courier New"/>
+              </a:rPr>
+              <a:t>'&gt;</a:t>
+            </a:r>
+          </a:p>
+        </p:txBody>
+      </p:sp>
+      <p:sp>
+        <p:nvSpPr>
+          <p:cNvPr id="6" name="Rectangle 5"/>
+          <p:cNvSpPr/>
+          <p:nvPr/>
+        </p:nvSpPr>
+        <p:spPr>
+          <a:xfrm>
+            <a:off x="251520" y="3361556"/>
+            <a:ext cx="8640960" cy="523220"/>
+          </a:xfrm>
+          <a:prstGeom prst="rect">
+            <a:avLst/>
+          </a:prstGeom>
+        </p:spPr>
+        <p:style>
+          <a:lnRef idx="1">
+            <a:schemeClr val="accent4"/>
+          </a:lnRef>
+          <a:fillRef idx="2">
+            <a:schemeClr val="accent4"/>
+          </a:fillRef>
+          <a:effectRef idx="1">
+            <a:schemeClr val="accent4"/>
+          </a:effectRef>
+          <a:fontRef idx="minor">
+            <a:schemeClr val="dk1"/>
+          </a:fontRef>
+        </p:style>
+        <p:txBody>
+          <a:bodyPr wrap="square">
+            <a:spAutoFit/>
+          </a:bodyPr>
+          <a:lstStyle/>
+          <a:p>
+            <a:r>
+              <a:rPr lang="en-US" sz="1400" dirty="0">
+                <a:latin typeface="Courier New"/>
+                <a:cs typeface="Courier New"/>
+              </a:rPr>
+              <a:t>&lt;link </a:t>
+            </a:r>
+            <a:r>
+              <a:rPr lang="en-US" sz="1400" dirty="0" err="1">
+                <a:latin typeface="Courier New"/>
+                <a:cs typeface="Courier New"/>
+              </a:rPr>
+              <a:t>href</a:t>
+            </a:r>
+            <a:r>
+              <a:rPr lang="en-US" sz="1400" dirty="0" smtClean="0">
+                <a:latin typeface="Courier New"/>
+                <a:cs typeface="Courier New"/>
+              </a:rPr>
+              <a:t>=</a:t>
+            </a:r>
+            <a:r>
+              <a:rPr lang="en-US" sz="1400" dirty="0">
+                <a:latin typeface="Courier New"/>
+                <a:cs typeface="Courier New"/>
+              </a:rPr>
+              <a:t>'</a:t>
+            </a:r>
+            <a:r>
+              <a:rPr lang="en-US" sz="1400" b="1" dirty="0" smtClean="0">
+                <a:latin typeface="Courier New"/>
+                <a:cs typeface="Courier New"/>
+              </a:rPr>
+              <a:t>/</a:t>
+            </a:r>
+            <a:r>
+              <a:rPr lang="en-US" sz="1400" b="1" dirty="0">
+                <a:latin typeface="Courier New"/>
+                <a:cs typeface="Courier New"/>
+              </a:rPr>
+              <a:t>/</a:t>
+            </a:r>
+            <a:r>
+              <a:rPr lang="en-US" sz="1400" dirty="0" err="1">
+                <a:latin typeface="Courier New"/>
+                <a:cs typeface="Courier New"/>
+              </a:rPr>
+              <a:t>fonts.googleapis.com</a:t>
+            </a:r>
+            <a:r>
+              <a:rPr lang="en-US" sz="1400" dirty="0">
+                <a:latin typeface="Courier New"/>
+                <a:cs typeface="Courier New"/>
+              </a:rPr>
+              <a:t>/</a:t>
+            </a:r>
+            <a:r>
+              <a:rPr lang="en-US" sz="1400" dirty="0" err="1">
+                <a:latin typeface="Courier New"/>
+                <a:cs typeface="Courier New"/>
+              </a:rPr>
+              <a:t>css?family</a:t>
+            </a:r>
+            <a:r>
+              <a:rPr lang="en-US" sz="1400" dirty="0">
+                <a:latin typeface="Courier New"/>
+                <a:cs typeface="Courier New"/>
+              </a:rPr>
+              <a:t>=</a:t>
+            </a:r>
+            <a:r>
+              <a:rPr lang="en-US" sz="1400" dirty="0" err="1">
+                <a:latin typeface="Courier New"/>
+                <a:cs typeface="Courier New"/>
+              </a:rPr>
+              <a:t>Roboto+Condensed</a:t>
+            </a:r>
+            <a:r>
+              <a:rPr lang="en-US" sz="1400" dirty="0">
+                <a:latin typeface="Courier New"/>
+                <a:cs typeface="Courier New"/>
+              </a:rPr>
+              <a:t>' </a:t>
+            </a:r>
+            <a:r>
+              <a:rPr lang="en-US" sz="1400" dirty="0" err="1">
+                <a:latin typeface="Courier New"/>
+                <a:cs typeface="Courier New"/>
+              </a:rPr>
+              <a:t>rel</a:t>
+            </a:r>
+            <a:r>
+              <a:rPr lang="en-US" sz="1400" dirty="0">
+                <a:latin typeface="Courier New"/>
+                <a:cs typeface="Courier New"/>
+              </a:rPr>
+              <a:t>='</a:t>
+            </a:r>
+            <a:r>
+              <a:rPr lang="en-US" sz="1400" dirty="0" err="1">
+                <a:latin typeface="Courier New"/>
+                <a:cs typeface="Courier New"/>
+              </a:rPr>
+              <a:t>stylesheet</a:t>
+            </a:r>
+            <a:r>
+              <a:rPr lang="en-US" sz="1400" dirty="0">
+                <a:latin typeface="Courier New"/>
+                <a:cs typeface="Courier New"/>
+              </a:rPr>
+              <a:t>' type='text/</a:t>
+            </a:r>
+            <a:r>
+              <a:rPr lang="en-US" sz="1400" dirty="0" err="1">
+                <a:latin typeface="Courier New"/>
+                <a:cs typeface="Courier New"/>
+              </a:rPr>
+              <a:t>css</a:t>
+            </a:r>
+            <a:r>
+              <a:rPr lang="en-US" sz="1400" dirty="0">
+                <a:latin typeface="Courier New"/>
+                <a:cs typeface="Courier New"/>
+              </a:rPr>
+              <a:t>'&gt;</a:t>
+            </a:r>
+          </a:p>
+        </p:txBody>
+      </p:sp>
+    </p:spTree>
+    <p:extLst>
+      <p:ext uri="{BB962C8B-B14F-4D97-AF65-F5344CB8AC3E}">
+        <p14:creationId xmlns:p14="http://schemas.microsoft.com/office/powerpoint/2010/main" val="165943322"/>
+      </p:ext>
+    </p:extLst>
+  </p:cSld>
+  <p:clrMapOvr>
+    <a:masterClrMapping/>
+  </p:clrMapOvr>
+  <p:timing>
+    <p:tnLst>
+      <p:par>
+        <p:cTn xmlns:p14="http://schemas.microsoft.com/office/powerpoint/2010/main" id="1" dur="indefinite" restart="never" nodeType="tmRoot">
+          <p:childTnLst>
+            <p:seq concurrent="1" nextAc="seek">
+              <p:cTn id="2" dur="indefinite" nodeType="mainSeq">
+                <p:childTnLst>
+                  <p:par>
+                    <p:cTn id="3" fill="hold">
+                      <p:stCondLst>
+                        <p:cond delay="indefinite"/>
+                      </p:stCondLst>
+                      <p:childTnLst>
+                        <p:par>
+                          <p:cTn id="4" fill="hold">
+                            <p:stCondLst>
+                              <p:cond delay="0"/>
+                            </p:stCondLst>
+                            <p:childTnLst>
+                              <p:par>
+                                <p:cTn id="5" presetID="1" presetClass="entr" presetSubtype="0" fill="hold" grpId="0" nodeType="clickEffect">
+                                  <p:stCondLst>
+                                    <p:cond delay="0"/>
+                                  </p:stCondLst>
+                                  <p:childTnLst>
+                                    <p:set>
+                                      <p:cBhvr>
+                                        <p:cTn id="6" dur="1" fill="hold">
+                                          <p:stCondLst>
+                                            <p:cond delay="0"/>
+                                          </p:stCondLst>
+                                        </p:cTn>
+                                        <p:tgtEl>
+                                          <p:spTgt spid="5"/>
+                                        </p:tgtEl>
+                                        <p:attrNameLst>
+                                          <p:attrName>style.visibility</p:attrName>
+                                        </p:attrNameLst>
+                                      </p:cBhvr>
+                                      <p:to>
+                                        <p:strVal val="visible"/>
+                                      </p:to>
+                                    </p:set>
+                                  </p:childTnLst>
+                                </p:cTn>
+                              </p:par>
+                            </p:childTnLst>
+                          </p:cTn>
+                        </p:par>
+                      </p:childTnLst>
+                    </p:cTn>
+                  </p:par>
+                  <p:par>
+                    <p:cTn id="7" fill="hold">
+                      <p:stCondLst>
+                        <p:cond delay="indefinite"/>
+                      </p:stCondLst>
+                      <p:childTnLst>
+                        <p:par>
+                          <p:cTn id="8" fill="hold">
+                            <p:stCondLst>
+                              <p:cond delay="0"/>
+                            </p:stCondLst>
+                            <p:childTnLst>
+                              <p:par>
+                                <p:cTn id="9" presetID="1" presetClass="entr" presetSubtype="0" fill="hold" grpId="0" nodeType="clickEffect">
+                                  <p:stCondLst>
+                                    <p:cond delay="0"/>
+                                  </p:stCondLst>
+                                  <p:childTnLst>
+                                    <p:set>
+                                      <p:cBhvr>
+                                        <p:cTn id="10" dur="1" fill="hold">
+                                          <p:stCondLst>
+                                            <p:cond delay="0"/>
+                                          </p:stCondLst>
+                                        </p:cTn>
+                                        <p:tgtEl>
+                                          <p:spTgt spid="6"/>
+                                        </p:tgtEl>
+                                        <p:attrNameLst>
+                                          <p:attrName>style.visibility</p:attrName>
+                                        </p:attrNameLst>
+                                      </p:cBhvr>
+                                      <p:to>
+                                        <p:strVal val="visible"/>
+                                      </p:to>
+                                    </p:set>
+                                  </p:childTnLst>
+                                </p:cTn>
+                              </p:par>
+                            </p:childTnLst>
+                          </p:cTn>
+                        </p:par>
+                      </p:childTnLst>
+                    </p:cTn>
+                  </p:par>
+                </p:childTnLst>
+              </p:cTn>
+              <p:prevCondLst>
+                <p:cond evt="onPrev" delay="0">
+                  <p:tgtEl>
+                    <p:sldTgt/>
+                  </p:tgtEl>
+                </p:cond>
+              </p:prevCondLst>
+              <p:nextCondLst>
+                <p:cond evt="onNext" delay="0">
+                  <p:tgtEl>
+                    <p:sldTgt/>
+                  </p:tgtEl>
+                </p:cond>
+              </p:nextCondLst>
+            </p:seq>
+          </p:childTnLst>
+        </p:cTn>
+      </p:par>
+    </p:tnLst>
+    <p:bldLst>
+      <p:bldP spid="5" grpId="0" animBg="1"/>
+      <p:bldP spid="6" grpId="0" animBg="1"/>
+    </p:bldLst>
+  </p:timing>
+</p:sld>
+</file>
+
+<file path=ppt/slides/slide7.xml><?xml version="1.0" encoding="utf-8"?>
+<p:sld xmlns:a="http://schemas.openxmlformats.org/drawingml/2006/main" xmlns:r="http://schemas.openxmlformats.org/officeDocument/2006/relationships" xmlns:p="http://schemas.openxmlformats.org/presentationml/2006/main">
+  <p:cSld>
+    <p:spTree>
+      <p:nvGrpSpPr>
+        <p:cNvPr id="1" name=""/>
+        <p:cNvGrpSpPr/>
+        <p:nvPr/>
+      </p:nvGrpSpPr>
+      <p:grpSpPr>
+        <a:xfrm>
+          <a:off x="0" y="0"/>
+          <a:ext cx="0" cy="0"/>
+          <a:chOff x="0" y="0"/>
+          <a:chExt cx="0" cy="0"/>
+        </a:xfrm>
+      </p:grpSpPr>
+      <p:sp>
+        <p:nvSpPr>
+          <p:cNvPr id="2" name="Title 1"/>
+          <p:cNvSpPr>
+            <a:spLocks noGrp="1"/>
+          </p:cNvSpPr>
+          <p:nvPr>
+            <p:ph type="ctrTitle"/>
+          </p:nvPr>
+        </p:nvSpPr>
+        <p:spPr/>
+        <p:txBody>
+          <a:bodyPr/>
+          <a:lstStyle/>
+          <a:p>
+            <a:r>
               <a:rPr lang="sv-SE" dirty="0" smtClean="0"/>
               <a:t>Symmetrisk kryptering</a:t>
             </a:r>
@@ -22263,47 +22812,6 @@
           </a:p>
         </p:txBody>
       </p:sp>
-      <p:pic>
-        <p:nvPicPr>
-          <p:cNvPr id="7" name="Picture 2" descr="L:\WorkSpace\tstjo\Icons\v_collection_png\128x128\shadow\key2.png"/>
-          <p:cNvPicPr>
-            <a:picLocks noChangeAspect="1" noChangeArrowheads="1"/>
-          </p:cNvPicPr>
-          <p:nvPr/>
-        </p:nvPicPr>
-        <p:blipFill>
-          <a:blip r:embed="rId2" cstate="print">
-            <a:extLst>
-              <a:ext uri="{28A0092B-C50C-407E-A947-70E740481C1C}">
-                <a14:useLocalDpi xmlns:a14="http://schemas.microsoft.com/office/drawing/2010/main" val="0"/>
-              </a:ext>
-            </a:extLst>
-          </a:blip>
-          <a:srcRect/>
-          <a:stretch>
-            <a:fillRect/>
-          </a:stretch>
-        </p:blipFill>
-        <p:spPr bwMode="auto">
-          <a:xfrm>
-            <a:off x="4283968" y="1993404"/>
-            <a:ext cx="432048" cy="432049"/>
-          </a:xfrm>
-          <a:prstGeom prst="rect">
-            <a:avLst/>
-          </a:prstGeom>
-          <a:noFill/>
-          <a:extLst>
-            <a:ext uri="{909E8E84-426E-40dd-AFC4-6F175D3DCCD1}">
-              <a14:hiddenFill xmlns:a14="http://schemas.microsoft.com/office/drawing/2010/main">
-                <a:solidFill>
-                  <a:srgbClr val="FFFFFF"/>
-                </a:solidFill>
-              </a14:hiddenFill>
-            </a:ext>
-          </a:extLst>
-        </p:spPr>
-      </p:pic>
       <p:sp>
         <p:nvSpPr>
           <p:cNvPr id="8" name="Down Arrow 7"/>
@@ -22361,7 +22869,7 @@
       </p:sp>
       <p:pic>
         <p:nvPicPr>
-          <p:cNvPr id="10" name="Picture 2" descr="L:\WorkSpace\tstjo\Icons\v_collection_png\128x128\shadow\key2.png"/>
+          <p:cNvPr id="11" name="Picture 3" descr="S:\dfm\info\icons\x-collections\png-files\128x128\shadow\key2.png"/>
           <p:cNvPicPr>
             <a:picLocks noChangeAspect="1" noChangeArrowheads="1"/>
           </p:cNvPicPr>
@@ -22369,6 +22877,13 @@
         </p:nvPicPr>
         <p:blipFill>
           <a:blip r:embed="rId2" cstate="print">
+            <a:duotone>
+              <a:prstClr val="black"/>
+              <a:schemeClr val="accent2">
+                <a:tint val="45000"/>
+                <a:satMod val="400000"/>
+              </a:schemeClr>
+            </a:duotone>
             <a:extLst>
               <a:ext uri="{28A0092B-C50C-407E-A947-70E740481C1C}">
                 <a14:useLocalDpi xmlns:a14="http://schemas.microsoft.com/office/drawing/2010/main" val="0"/>
@@ -22382,8 +22897,56 @@
         </p:blipFill>
         <p:spPr bwMode="auto">
           <a:xfrm>
-            <a:off x="4355976" y="3793603"/>
-            <a:ext cx="432048" cy="432049"/>
+            <a:off x="4355976" y="2065412"/>
+            <a:ext cx="303944" cy="303944"/>
+          </a:xfrm>
+          <a:prstGeom prst="rect">
+            <a:avLst/>
+          </a:prstGeom>
+          <a:noFill/>
+          <a:extLst>
+            <a:ext uri="{909E8E84-426E-40dd-AFC4-6F175D3DCCD1}">
+              <a14:hiddenFill xmlns:a14="http://schemas.microsoft.com/office/drawing/2010/main">
+                <a:solidFill>
+                  <a:srgbClr val="FFFFFF"/>
+                </a:solidFill>
+              </a14:hiddenFill>
+            </a:ext>
+          </a:extLst>
+        </p:spPr>
+      </p:pic>
+      <p:pic>
+        <p:nvPicPr>
+          <p:cNvPr id="12" name="Picture 3" descr="S:\dfm\info\icons\x-collections\png-files\128x128\shadow\key2.png"/>
+          <p:cNvPicPr>
+            <a:picLocks noChangeAspect="1" noChangeArrowheads="1"/>
+          </p:cNvPicPr>
+          <p:nvPr/>
+        </p:nvPicPr>
+        <p:blipFill>
+          <a:blip r:embed="rId2" cstate="print">
+            <a:duotone>
+              <a:prstClr val="black"/>
+              <a:schemeClr val="accent2">
+                <a:tint val="45000"/>
+                <a:satMod val="400000"/>
+              </a:schemeClr>
+            </a:duotone>
+            <a:extLst>
+              <a:ext uri="{28A0092B-C50C-407E-A947-70E740481C1C}">
+                <a14:useLocalDpi xmlns:a14="http://schemas.microsoft.com/office/drawing/2010/main" val="0"/>
+              </a:ext>
+            </a:extLst>
+          </a:blip>
+          <a:srcRect/>
+          <a:stretch>
+            <a:fillRect/>
+          </a:stretch>
+        </p:blipFill>
+        <p:spPr bwMode="auto">
+          <a:xfrm>
+            <a:off x="4283968" y="3937620"/>
+            <a:ext cx="303944" cy="303944"/>
           </a:xfrm>
           <a:prstGeom prst="rect">
             <a:avLst/>
@@ -22465,59 +23028,24 @@
                                   </p:childTnLst>
                                 </p:cTn>
                               </p:par>
+                            </p:childTnLst>
+                          </p:cTn>
+                        </p:par>
+                        <p:par>
+                          <p:cTn id="8" fill="hold">
+                            <p:stCondLst>
+                              <p:cond delay="500"/>
+                            </p:stCondLst>
+                            <p:childTnLst>
                               <p:par>
-                                <p:cTn id="8" presetID="10" presetClass="entr" presetSubtype="0" fill="hold" nodeType="withEffect">
+                                <p:cTn id="9" presetID="10" presetClass="entr" presetSubtype="0" fill="hold" grpId="0" nodeType="afterEffect">
                                   <p:stCondLst>
                                     <p:cond delay="0"/>
                                   </p:stCondLst>
                                   <p:childTnLst>
                                     <p:set>
                                       <p:cBhvr>
-                                        <p:cTn id="9" dur="1" fill="hold">
-                                          <p:stCondLst>
-                                            <p:cond delay="0"/>
-                                          </p:stCondLst>
-                                        </p:cTn>
-                                        <p:tgtEl>
-                                          <p:spTgt spid="7"/>
-                                        </p:tgtEl>
-                                        <p:attrNameLst>
-                                          <p:attrName>style.visibility</p:attrName>
-                                        </p:attrNameLst>
-                                      </p:cBhvr>
-                                      <p:to>
-                                        <p:strVal val="visible"/>
-                                      </p:to>
-                                    </p:set>
-                                    <p:animEffect transition="in" filter="fade">
-                                      <p:cBhvr>
-                                        <p:cTn id="10" dur="500"/>
-                                        <p:tgtEl>
-                                          <p:spTgt spid="7"/>
-                                        </p:tgtEl>
-                                      </p:cBhvr>
-                                    </p:animEffect>
-                                  </p:childTnLst>
-                                </p:cTn>
-                              </p:par>
-                            </p:childTnLst>
-                          </p:cTn>
-                        </p:par>
-                        <p:par>
-                          <p:cTn id="11" fill="hold">
-                            <p:stCondLst>
-                              <p:cond delay="500"/>
-                            </p:stCondLst>
-                            <p:childTnLst>
-                              <p:par>
-                                <p:cTn id="12" presetID="10" presetClass="entr" presetSubtype="0" fill="hold" grpId="0" nodeType="afterEffect">
-                                  <p:stCondLst>
-                                    <p:cond delay="0"/>
-                                  </p:stCondLst>
-                                  <p:childTnLst>
-                                    <p:set>
-                                      <p:cBhvr>
-                                        <p:cTn id="13" dur="1" fill="hold">
+                                        <p:cTn id="10" dur="1" fill="hold">
                                           <p:stCondLst>
                                             <p:cond delay="0"/>
                                           </p:stCondLst>
@@ -22535,7 +23063,7 @@
                                     </p:set>
                                     <p:animEffect transition="in" filter="fade">
                                       <p:cBhvr>
-                                        <p:cTn id="14" dur="500"/>
+                                        <p:cTn id="11" dur="500"/>
                                         <p:tgtEl>
                                           <p:spTgt spid="5"/>
                                         </p:tgtEl>
@@ -22551,26 +23079,26 @@
                     </p:cTn>
                   </p:par>
                   <p:par>
-                    <p:cTn id="15" fill="hold">
+                    <p:cTn id="12" fill="hold">
                       <p:stCondLst>
                         <p:cond delay="indefinite"/>
                       </p:stCondLst>
                       <p:childTnLst>
                         <p:par>
-                          <p:cTn id="16" fill="hold">
+                          <p:cTn id="13" fill="hold">
                             <p:stCondLst>
                               <p:cond delay="0"/>
                             </p:stCondLst>
                             <p:childTnLst>
                               <p:par>
-                                <p:cTn id="17" presetID="10" presetClass="entr" presetSubtype="0" fill="hold" grpId="0" nodeType="clickEffect">
+                                <p:cTn id="14" presetID="10" presetClass="entr" presetSubtype="0" fill="hold" grpId="0" nodeType="clickEffect">
                                   <p:stCondLst>
                                     <p:cond delay="0"/>
                                   </p:stCondLst>
                                   <p:childTnLst>
                                     <p:set>
                                       <p:cBhvr>
-                                        <p:cTn id="18" dur="1" fill="hold">
+                                        <p:cTn id="15" dur="1" fill="hold">
                                           <p:stCondLst>
                                             <p:cond delay="0"/>
                                           </p:stCondLst>
@@ -22588,44 +23116,9 @@
                                     </p:set>
                                     <p:animEffect transition="in" filter="fade">
                                       <p:cBhvr>
-                                        <p:cTn id="19" dur="500"/>
+                                        <p:cTn id="16" dur="500"/>
                                         <p:tgtEl>
                                           <p:spTgt spid="8"/>
-                                        </p:tgtEl>
-                                      </p:cBhvr>
-                                    </p:animEffect>
-                                  </p:childTnLst>
-                                </p:cTn>
-                              </p:par>
-                              <p:par>
-                                <p:cTn id="20" presetID="10" presetClass="entr" presetSubtype="0" fill="hold" nodeType="withEffect">
-                                  <p:stCondLst>
-                                    <p:cond delay="0"/>
-                                  </p:stCondLst>
-                                  <p:childTnLst>
-                                    <p:set>
-                                      <p:cBhvr>
-                                        <p:cTn id="21" dur="1" fill="hold">
-                                          <p:stCondLst>
-                                            <p:cond delay="0"/>
-                                          </p:stCondLst>
-                                        </p:cTn>
-                                        <p:tgtEl>
-                                          <p:spTgt spid="10"/>
-                                        </p:tgtEl>
-                                        <p:attrNameLst>
-                                          <p:attrName>style.visibility</p:attrName>
-                                        </p:attrNameLst>
-                                      </p:cBhvr>
-                                      <p:to>
-                                        <p:strVal val="visible"/>
-                                      </p:to>
-                                    </p:set>
-                                    <p:animEffect transition="in" filter="fade">
-                                      <p:cBhvr>
-                                        <p:cTn id="22" dur="500"/>
-                                        <p:tgtEl>
-                                          <p:spTgt spid="10"/>
                                         </p:tgtEl>
                                       </p:cBhvr>
                                     </p:animEffect>
@@ -22636,20 +23129,20 @@
                           </p:cTn>
                         </p:par>
                         <p:par>
-                          <p:cTn id="23" fill="hold">
+                          <p:cTn id="17" fill="hold">
                             <p:stCondLst>
                               <p:cond delay="500"/>
                             </p:stCondLst>
                             <p:childTnLst>
                               <p:par>
-                                <p:cTn id="24" presetID="10" presetClass="entr" presetSubtype="0" fill="hold" grpId="0" nodeType="afterEffect">
+                                <p:cTn id="18" presetID="10" presetClass="entr" presetSubtype="0" fill="hold" grpId="0" nodeType="afterEffect">
                                   <p:stCondLst>
                                     <p:cond delay="0"/>
                                   </p:stCondLst>
                                   <p:childTnLst>
                                     <p:set>
                                       <p:cBhvr>
-                                        <p:cTn id="25" dur="1" fill="hold">
+                                        <p:cTn id="19" dur="1" fill="hold">
                                           <p:stCondLst>
                                             <p:cond delay="0"/>
                                           </p:stCondLst>
@@ -22667,9 +23160,115 @@
                                     </p:set>
                                     <p:animEffect transition="in" filter="fade">
                                       <p:cBhvr>
-                                        <p:cTn id="26" dur="500"/>
+                                        <p:cTn id="20" dur="500"/>
                                         <p:tgtEl>
                                           <p:spTgt spid="4"/>
+                                        </p:tgtEl>
+                                      </p:cBhvr>
+                                    </p:animEffect>
+                                  </p:childTnLst>
+                                </p:cTn>
+                              </p:par>
+                            </p:childTnLst>
+                          </p:cTn>
+                        </p:par>
+                      </p:childTnLst>
+                    </p:cTn>
+                  </p:par>
+                  <p:par>
+                    <p:cTn id="21" fill="hold">
+                      <p:stCondLst>
+                        <p:cond delay="indefinite"/>
+                      </p:stCondLst>
+                      <p:childTnLst>
+                        <p:par>
+                          <p:cTn id="22" fill="hold">
+                            <p:stCondLst>
+                              <p:cond delay="0"/>
+                            </p:stCondLst>
+                            <p:childTnLst>
+                              <p:par>
+                                <p:cTn id="23" presetID="10" presetClass="entr" presetSubtype="0" fill="hold" nodeType="clickEffect">
+                                  <p:stCondLst>
+                                    <p:cond delay="0"/>
+                                  </p:stCondLst>
+                                  <p:childTnLst>
+                                    <p:set>
+                                      <p:cBhvr>
+                                        <p:cTn id="24" dur="1" fill="hold">
+                                          <p:stCondLst>
+                                            <p:cond delay="0"/>
+                                          </p:stCondLst>
+                                        </p:cTn>
+                                        <p:tgtEl>
+                                          <p:spTgt spid="11"/>
+                                        </p:tgtEl>
+                                        <p:attrNameLst>
+                                          <p:attrName>style.visibility</p:attrName>
+                                        </p:attrNameLst>
+                                      </p:cBhvr>
+                                      <p:to>
+                                        <p:strVal val="visible"/>
+                                      </p:to>
+                                    </p:set>
+                                    <p:animEffect transition="in" filter="fade">
+                                      <p:cBhvr>
+                                        <p:cTn id="25" dur="500"/>
+                                        <p:tgtEl>
+                                          <p:spTgt spid="11"/>
+                                        </p:tgtEl>
+                                      </p:cBhvr>
+                                    </p:animEffect>
+                                  </p:childTnLst>
+                                </p:cTn>
+                              </p:par>
+                            </p:childTnLst>
+                          </p:cTn>
+                        </p:par>
+                      </p:childTnLst>
+                    </p:cTn>
+                  </p:par>
+                  <p:par>
+                    <p:cTn id="26" fill="hold">
+                      <p:stCondLst>
+                        <p:cond delay="indefinite"/>
+                      </p:stCondLst>
+                      <p:childTnLst>
+                        <p:par>
+                          <p:cTn id="27" fill="hold">
+                            <p:stCondLst>
+                              <p:cond delay="0"/>
+                            </p:stCondLst>
+                            <p:childTnLst>
+                              <p:par>
+                                <p:cTn id="28" presetID="10" presetClass="entr" presetSubtype="0" fill="hold" nodeType="clickEffect">
+                                  <p:stCondLst>
+                                    <p:cond delay="0"/>
+                                  </p:stCondLst>
+                                  <p:childTnLst>
+                                    <p:set>
+                                      <p:cBhvr>
+                                        <p:cTn id="29" dur="1" fill="hold">
+                                          <p:stCondLst>
+                                            <p:cond delay="0"/>
+                                          </p:stCondLst>
+                                        </p:cTn>
+                                        <p:tgtEl>
+                                          <p:spTgt spid="12"/>
+                                        </p:tgtEl>
+                                        <p:attrNameLst>
+                                          <p:attrName>style.visibility</p:attrName>
+                                        </p:attrNameLst>
+                                      </p:cBhvr>
+                                      <p:to>
+                                        <p:strVal val="visible"/>
+                                      </p:to>
+                                    </p:set>
+                                    <p:animEffect transition="in" filter="fade">
+                                      <p:cBhvr>
+                                        <p:cTn id="30" dur="500"/>
+                                        <p:tgtEl>
+                                          <p:spTgt spid="12"/>
                                         </p:tgtEl>
                                       </p:cBhvr>
                                     </p:animEffect>
@@ -22713,7 +23312,7 @@
 </p:sld>
 </file>
 
-<file path=ppt/slides/slide7.xml><?xml version="1.0" encoding="utf-8"?>
+<file path=ppt/slides/slide8.xml><?xml version="1.0" encoding="utf-8"?>
 <p:sld xmlns:a="http://schemas.openxmlformats.org/drawingml/2006/main" xmlns:r="http://schemas.openxmlformats.org/officeDocument/2006/relationships" xmlns:p="http://schemas.openxmlformats.org/presentationml/2006/main">
   <p:cSld>
     <p:spTree>
@@ -23357,7 +23956,7 @@
 </p:sld>
 </file>
 
-<file path=ppt/slides/slide8.xml><?xml version="1.0" encoding="utf-8"?>
+<file path=ppt/slides/slide9.xml><?xml version="1.0" encoding="utf-8"?>
 <p:sld xmlns:a="http://schemas.openxmlformats.org/drawingml/2006/main" xmlns:r="http://schemas.openxmlformats.org/officeDocument/2006/relationships" xmlns:p="http://schemas.openxmlformats.org/presentationml/2006/main">
   <p:cSld>
     <p:spTree>
@@ -25156,194 +25755,6 @@
 </p:sld>
 </file>
 
-<file path=ppt/slides/slide9.xml><?xml version="1.0" encoding="utf-8"?>
-<p:sld xmlns:a="http://schemas.openxmlformats.org/drawingml/2006/main" xmlns:r="http://schemas.openxmlformats.org/officeDocument/2006/relationships" xmlns:p="http://schemas.openxmlformats.org/presentationml/2006/main">
-  <p:cSld>
-    <p:spTree>
-      <p:nvGrpSpPr>
-        <p:cNvPr id="1" name=""/>
-        <p:cNvGrpSpPr/>
-        <p:nvPr/>
-      </p:nvGrpSpPr>
-      <p:grpSpPr>
-        <a:xfrm>
-          <a:off x="0" y="0"/>
-          <a:ext cx="0" cy="0"/>
-          <a:chOff x="0" y="0"/>
-          <a:chExt cx="0" cy="0"/>
-        </a:xfrm>
-      </p:grpSpPr>
-      <p:sp>
-        <p:nvSpPr>
-          <p:cNvPr id="2" name="Title 1"/>
-          <p:cNvSpPr>
-            <a:spLocks noGrp="1"/>
-          </p:cNvSpPr>
-          <p:nvPr>
-            <p:ph type="ctrTitle"/>
-          </p:nvPr>
-        </p:nvSpPr>
-        <p:spPr/>
-        <p:txBody>
-          <a:bodyPr/>
-          <a:lstStyle/>
-          <a:p>
-            <a:r>
-              <a:rPr lang="sv-SE" dirty="0" smtClean="0"/>
-              <a:t>HTTPS</a:t>
-            </a:r>
-            <a:endParaRPr lang="sv-SE" dirty="0"/>
-          </a:p>
-        </p:txBody>
-      </p:sp>
-      <p:pic>
-        <p:nvPicPr>
-          <p:cNvPr id="1026" name="Picture 2"/>
-          <p:cNvPicPr>
-            <a:picLocks noChangeAspect="1" noChangeArrowheads="1"/>
-          </p:cNvPicPr>
-          <p:nvPr/>
-        </p:nvPicPr>
-        <p:blipFill>
-          <a:blip r:embed="rId2">
-            <a:extLst>
-              <a:ext uri="{28A0092B-C50C-407E-A947-70E740481C1C}">
-                <a14:useLocalDpi xmlns:a14="http://schemas.microsoft.com/office/drawing/2010/main" val="0"/>
-              </a:ext>
-            </a:extLst>
-          </a:blip>
-          <a:srcRect/>
-          <a:stretch>
-            <a:fillRect/>
-          </a:stretch>
-        </p:blipFill>
-        <p:spPr bwMode="auto">
-          <a:xfrm>
-            <a:off x="755576" y="634196"/>
-            <a:ext cx="2763019" cy="4446608"/>
-          </a:xfrm>
-          <a:prstGeom prst="rect">
-            <a:avLst/>
-          </a:prstGeom>
-          <a:noFill/>
-          <a:ln>
-            <a:noFill/>
-          </a:ln>
-          <a:effectLst/>
-          <a:extLst>
-            <a:ext uri="{909E8E84-426E-40dd-AFC4-6F175D3DCCD1}">
-              <a14:hiddenFill xmlns:a14="http://schemas.microsoft.com/office/drawing/2010/main">
-                <a:solidFill>
-                  <a:schemeClr val="accent1"/>
-                </a:solidFill>
-              </a14:hiddenFill>
-            </a:ext>
-            <a:ext uri="{91240B29-F687-4f45-9708-019B960494DF}">
-              <a14:hiddenLine xmlns:a14="http://schemas.microsoft.com/office/drawing/2010/main" w="9525">
-                <a:solidFill>
-                  <a:schemeClr val="tx1"/>
-                </a:solidFill>
-                <a:miter lim="800000"/>
-                <a:headEnd/>
-                <a:tailEnd/>
-              </a14:hiddenLine>
-            </a:ext>
-            <a:ext uri="{AF507438-7753-43e0-B8FC-AC1667EBCBE1}">
-              <a14:hiddenEffects xmlns:a14="http://schemas.microsoft.com/office/drawing/2010/main">
-                <a:effectLst>
-                  <a:outerShdw dist="35921" dir="2700000" algn="ctr" rotWithShape="0">
-                    <a:schemeClr val="bg2"/>
-                  </a:outerShdw>
-                </a:effectLst>
-              </a14:hiddenEffects>
-            </a:ext>
-          </a:extLst>
-        </p:spPr>
-      </p:pic>
-      <p:pic>
-        <p:nvPicPr>
-          <p:cNvPr id="1027" name="Picture 3"/>
-          <p:cNvPicPr>
-            <a:picLocks noChangeAspect="1" noChangeArrowheads="1"/>
-          </p:cNvPicPr>
-          <p:nvPr/>
-        </p:nvPicPr>
-        <p:blipFill>
-          <a:blip r:embed="rId3">
-            <a:extLst>
-              <a:ext uri="{28A0092B-C50C-407E-A947-70E740481C1C}">
-                <a14:useLocalDpi xmlns:a14="http://schemas.microsoft.com/office/drawing/2010/main" val="0"/>
-              </a:ext>
-            </a:extLst>
-          </a:blip>
-          <a:srcRect/>
-          <a:stretch>
-            <a:fillRect/>
-          </a:stretch>
-        </p:blipFill>
-        <p:spPr bwMode="auto">
-          <a:xfrm>
-            <a:off x="4283968" y="1379253"/>
-            <a:ext cx="3888432" cy="2956494"/>
-          </a:xfrm>
-          <a:prstGeom prst="rect">
-            <a:avLst/>
-          </a:prstGeom>
-          <a:noFill/>
-          <a:ln>
-            <a:noFill/>
-          </a:ln>
-          <a:effectLst/>
-          <a:extLst>
-            <a:ext uri="{909E8E84-426E-40dd-AFC4-6F175D3DCCD1}">
-              <a14:hiddenFill xmlns:a14="http://schemas.microsoft.com/office/drawing/2010/main">
-                <a:solidFill>
-                  <a:schemeClr val="accent1"/>
-                </a:solidFill>
-              </a14:hiddenFill>
-            </a:ext>
-            <a:ext uri="{91240B29-F687-4f45-9708-019B960494DF}">
-              <a14:hiddenLine xmlns:a14="http://schemas.microsoft.com/office/drawing/2010/main" w="9525">
-                <a:solidFill>
-                  <a:schemeClr val="tx1"/>
-                </a:solidFill>
-                <a:miter lim="800000"/>
-                <a:headEnd/>
-                <a:tailEnd/>
-              </a14:hiddenLine>
-            </a:ext>
-            <a:ext uri="{AF507438-7753-43e0-B8FC-AC1667EBCBE1}">
-              <a14:hiddenEffects xmlns:a14="http://schemas.microsoft.com/office/drawing/2010/main">
-                <a:effectLst>
-                  <a:outerShdw dist="35921" dir="2700000" algn="ctr" rotWithShape="0">
-                    <a:schemeClr val="bg2"/>
-                  </a:outerShdw>
-                </a:effectLst>
-              </a14:hiddenEffects>
-            </a:ext>
-          </a:extLst>
-        </p:spPr>
-      </p:pic>
-    </p:spTree>
-    <p:extLst>
-      <p:ext uri="{BB962C8B-B14F-4D97-AF65-F5344CB8AC3E}">
-        <p14:creationId xmlns:p14="http://schemas.microsoft.com/office/powerpoint/2010/main" val="2694863038"/>
-      </p:ext>
-    </p:extLst>
-  </p:cSld>
-  <p:clrMapOvr>
-    <a:masterClrMapping/>
-  </p:clrMapOvr>
-  <p:timing>
-    <p:tnLst>
-      <p:par>
-        <p:cTn xmlns:p14="http://schemas.microsoft.com/office/powerpoint/2010/main" id="1" dur="indefinite" restart="never" nodeType="tmRoot"/>
-      </p:par>
-    </p:tnLst>
-  </p:timing>
-</p:sld>
-</file>
-
 <file path=ppt/theme/theme1.xml><?xml version="1.0" encoding="utf-8"?>
 <a:theme xmlns:a="http://schemas.openxmlformats.org/drawingml/2006/main" name="Office Theme">
   <a:themeElements>
